--- a/651FinalProject.pptx
+++ b/651FinalProject.pptx
@@ -284,7 +284,7 @@
           <a:p>
             <a:fld id="{B4EC0742-5976-4D34-AB1E-01517428FF76}" type="datetimeFigureOut">
               <a:rPr lang="zh-CN" altLang="en-US" smtClean="0"/>
-              <a:t>2023/12/11</a:t>
+              <a:t>2023/12/12</a:t>
             </a:fld>
             <a:endParaRPr lang="zh-CN" altLang="en-US"/>
           </a:p>
@@ -482,7 +482,7 @@
           <a:p>
             <a:fld id="{B4EC0742-5976-4D34-AB1E-01517428FF76}" type="datetimeFigureOut">
               <a:rPr lang="zh-CN" altLang="en-US" smtClean="0"/>
-              <a:t>2023/12/11</a:t>
+              <a:t>2023/12/12</a:t>
             </a:fld>
             <a:endParaRPr lang="zh-CN" altLang="en-US"/>
           </a:p>
@@ -690,7 +690,7 @@
           <a:p>
             <a:fld id="{B4EC0742-5976-4D34-AB1E-01517428FF76}" type="datetimeFigureOut">
               <a:rPr lang="zh-CN" altLang="en-US" smtClean="0"/>
-              <a:t>2023/12/11</a:t>
+              <a:t>2023/12/12</a:t>
             </a:fld>
             <a:endParaRPr lang="zh-CN" altLang="en-US"/>
           </a:p>
@@ -888,7 +888,7 @@
           <a:p>
             <a:fld id="{B4EC0742-5976-4D34-AB1E-01517428FF76}" type="datetimeFigureOut">
               <a:rPr lang="zh-CN" altLang="en-US" smtClean="0"/>
-              <a:t>2023/12/11</a:t>
+              <a:t>2023/12/12</a:t>
             </a:fld>
             <a:endParaRPr lang="zh-CN" altLang="en-US"/>
           </a:p>
@@ -1163,7 +1163,7 @@
           <a:p>
             <a:fld id="{B4EC0742-5976-4D34-AB1E-01517428FF76}" type="datetimeFigureOut">
               <a:rPr lang="zh-CN" altLang="en-US" smtClean="0"/>
-              <a:t>2023/12/11</a:t>
+              <a:t>2023/12/12</a:t>
             </a:fld>
             <a:endParaRPr lang="zh-CN" altLang="en-US"/>
           </a:p>
@@ -1428,7 +1428,7 @@
           <a:p>
             <a:fld id="{B4EC0742-5976-4D34-AB1E-01517428FF76}" type="datetimeFigureOut">
               <a:rPr lang="zh-CN" altLang="en-US" smtClean="0"/>
-              <a:t>2023/12/11</a:t>
+              <a:t>2023/12/12</a:t>
             </a:fld>
             <a:endParaRPr lang="zh-CN" altLang="en-US"/>
           </a:p>
@@ -1840,7 +1840,7 @@
           <a:p>
             <a:fld id="{B4EC0742-5976-4D34-AB1E-01517428FF76}" type="datetimeFigureOut">
               <a:rPr lang="zh-CN" altLang="en-US" smtClean="0"/>
-              <a:t>2023/12/11</a:t>
+              <a:t>2023/12/12</a:t>
             </a:fld>
             <a:endParaRPr lang="zh-CN" altLang="en-US"/>
           </a:p>
@@ -1981,7 +1981,7 @@
           <a:p>
             <a:fld id="{B4EC0742-5976-4D34-AB1E-01517428FF76}" type="datetimeFigureOut">
               <a:rPr lang="zh-CN" altLang="en-US" smtClean="0"/>
-              <a:t>2023/12/11</a:t>
+              <a:t>2023/12/12</a:t>
             </a:fld>
             <a:endParaRPr lang="zh-CN" altLang="en-US"/>
           </a:p>
@@ -2094,7 +2094,7 @@
           <a:p>
             <a:fld id="{B4EC0742-5976-4D34-AB1E-01517428FF76}" type="datetimeFigureOut">
               <a:rPr lang="zh-CN" altLang="en-US" smtClean="0"/>
-              <a:t>2023/12/11</a:t>
+              <a:t>2023/12/12</a:t>
             </a:fld>
             <a:endParaRPr lang="zh-CN" altLang="en-US"/>
           </a:p>
@@ -2405,7 +2405,7 @@
           <a:p>
             <a:fld id="{B4EC0742-5976-4D34-AB1E-01517428FF76}" type="datetimeFigureOut">
               <a:rPr lang="zh-CN" altLang="en-US" smtClean="0"/>
-              <a:t>2023/12/11</a:t>
+              <a:t>2023/12/12</a:t>
             </a:fld>
             <a:endParaRPr lang="zh-CN" altLang="en-US"/>
           </a:p>
@@ -2693,7 +2693,7 @@
           <a:p>
             <a:fld id="{B4EC0742-5976-4D34-AB1E-01517428FF76}" type="datetimeFigureOut">
               <a:rPr lang="zh-CN" altLang="en-US" smtClean="0"/>
-              <a:t>2023/12/11</a:t>
+              <a:t>2023/12/12</a:t>
             </a:fld>
             <a:endParaRPr lang="zh-CN" altLang="en-US"/>
           </a:p>
@@ -2943,7 +2943,7 @@
           <a:p>
             <a:fld id="{B4EC0742-5976-4D34-AB1E-01517428FF76}" type="datetimeFigureOut">
               <a:rPr lang="zh-CN" altLang="en-US" smtClean="0"/>
-              <a:t>2023/12/11</a:t>
+              <a:t>2023/12/12</a:t>
             </a:fld>
             <a:endParaRPr lang="zh-CN" altLang="en-US"/>
           </a:p>
@@ -5682,7 +5682,7 @@
             <p:ph idx="1"/>
             <p:extLst>
               <p:ext uri="{D42A27DB-BD31-4B8C-83A1-F6EECF244321}">
-                <p14:modId xmlns:p14="http://schemas.microsoft.com/office/powerpoint/2010/main" val="2219598082"/>
+                <p14:modId xmlns:p14="http://schemas.microsoft.com/office/powerpoint/2010/main" val="104006964"/>
               </p:ext>
             </p:extLst>
           </p:nvPr>
@@ -6601,7 +6601,7 @@
                       <a:pPr algn="ctr"/>
                       <a:r>
                         <a:rPr lang="en-US" altLang="zh-CN" dirty="0"/>
-                        <a:t>86361</a:t>
+                        <a:t>270733</a:t>
                       </a:r>
                       <a:endParaRPr lang="zh-CN" altLang="en-US" dirty="0"/>
                     </a:p>
@@ -6616,7 +6616,7 @@
                       <a:pPr algn="ctr"/>
                       <a:r>
                         <a:rPr lang="en-US" altLang="zh-CN" dirty="0"/>
-                        <a:t>0.990</a:t>
+                        <a:t>0.904</a:t>
                       </a:r>
                       <a:endParaRPr lang="zh-CN" altLang="en-US" dirty="0"/>
                     </a:p>
@@ -6631,7 +6631,7 @@
                       <a:pPr algn="ctr"/>
                       <a:r>
                         <a:rPr lang="en-US" altLang="zh-CN" dirty="0"/>
-                        <a:t>1163503</a:t>
+                        <a:t>1538618</a:t>
                       </a:r>
                       <a:endParaRPr lang="zh-CN" altLang="en-US" dirty="0"/>
                     </a:p>
@@ -6646,7 +6646,7 @@
                       <a:pPr algn="ctr"/>
                       <a:r>
                         <a:rPr lang="en-US" altLang="zh-CN" dirty="0"/>
-                        <a:t>-2.58</a:t>
+                        <a:t>-5.26</a:t>
                       </a:r>
                       <a:endParaRPr lang="zh-CN" altLang="en-US" dirty="0"/>
                     </a:p>
@@ -6661,7 +6661,7 @@
                       <a:pPr algn="ctr"/>
                       <a:r>
                         <a:rPr lang="en-US" altLang="zh-CN" dirty="0"/>
-                        <a:t>26.02 Min</a:t>
+                        <a:t>26.95 Min</a:t>
                       </a:r>
                       <a:endParaRPr lang="zh-CN" altLang="en-US" dirty="0"/>
                     </a:p>
